--- a/plots/final_plots/Figure_2.pptx
+++ b/plots/final_plots/Figure_2.pptx
@@ -243,7 +243,7 @@
           <a:p>
             <a:fld id="{9F950D6D-D638-944C-997A-9DAC4E6CC4FC}" type="datetimeFigureOut">
               <a:rPr lang="en-FI" smtClean="0"/>
-              <a:t>3.2.2022</a:t>
+              <a:t>4.2.2022</a:t>
             </a:fld>
             <a:endParaRPr lang="en-FI"/>
           </a:p>
@@ -413,7 +413,7 @@
           <a:p>
             <a:fld id="{9F950D6D-D638-944C-997A-9DAC4E6CC4FC}" type="datetimeFigureOut">
               <a:rPr lang="en-FI" smtClean="0"/>
-              <a:t>3.2.2022</a:t>
+              <a:t>4.2.2022</a:t>
             </a:fld>
             <a:endParaRPr lang="en-FI"/>
           </a:p>
@@ -593,7 +593,7 @@
           <a:p>
             <a:fld id="{9F950D6D-D638-944C-997A-9DAC4E6CC4FC}" type="datetimeFigureOut">
               <a:rPr lang="en-FI" smtClean="0"/>
-              <a:t>3.2.2022</a:t>
+              <a:t>4.2.2022</a:t>
             </a:fld>
             <a:endParaRPr lang="en-FI"/>
           </a:p>
@@ -763,7 +763,7 @@
           <a:p>
             <a:fld id="{9F950D6D-D638-944C-997A-9DAC4E6CC4FC}" type="datetimeFigureOut">
               <a:rPr lang="en-FI" smtClean="0"/>
-              <a:t>3.2.2022</a:t>
+              <a:t>4.2.2022</a:t>
             </a:fld>
             <a:endParaRPr lang="en-FI"/>
           </a:p>
@@ -1007,7 +1007,7 @@
           <a:p>
             <a:fld id="{9F950D6D-D638-944C-997A-9DAC4E6CC4FC}" type="datetimeFigureOut">
               <a:rPr lang="en-FI" smtClean="0"/>
-              <a:t>3.2.2022</a:t>
+              <a:t>4.2.2022</a:t>
             </a:fld>
             <a:endParaRPr lang="en-FI"/>
           </a:p>
@@ -1239,7 +1239,7 @@
           <a:p>
             <a:fld id="{9F950D6D-D638-944C-997A-9DAC4E6CC4FC}" type="datetimeFigureOut">
               <a:rPr lang="en-FI" smtClean="0"/>
-              <a:t>3.2.2022</a:t>
+              <a:t>4.2.2022</a:t>
             </a:fld>
             <a:endParaRPr lang="en-FI"/>
           </a:p>
@@ -1606,7 +1606,7 @@
           <a:p>
             <a:fld id="{9F950D6D-D638-944C-997A-9DAC4E6CC4FC}" type="datetimeFigureOut">
               <a:rPr lang="en-FI" smtClean="0"/>
-              <a:t>3.2.2022</a:t>
+              <a:t>4.2.2022</a:t>
             </a:fld>
             <a:endParaRPr lang="en-FI"/>
           </a:p>
@@ -1724,7 +1724,7 @@
           <a:p>
             <a:fld id="{9F950D6D-D638-944C-997A-9DAC4E6CC4FC}" type="datetimeFigureOut">
               <a:rPr lang="en-FI" smtClean="0"/>
-              <a:t>3.2.2022</a:t>
+              <a:t>4.2.2022</a:t>
             </a:fld>
             <a:endParaRPr lang="en-FI"/>
           </a:p>
@@ -1819,7 +1819,7 @@
           <a:p>
             <a:fld id="{9F950D6D-D638-944C-997A-9DAC4E6CC4FC}" type="datetimeFigureOut">
               <a:rPr lang="en-FI" smtClean="0"/>
-              <a:t>3.2.2022</a:t>
+              <a:t>4.2.2022</a:t>
             </a:fld>
             <a:endParaRPr lang="en-FI"/>
           </a:p>
@@ -2096,7 +2096,7 @@
           <a:p>
             <a:fld id="{9F950D6D-D638-944C-997A-9DAC4E6CC4FC}" type="datetimeFigureOut">
               <a:rPr lang="en-FI" smtClean="0"/>
-              <a:t>3.2.2022</a:t>
+              <a:t>4.2.2022</a:t>
             </a:fld>
             <a:endParaRPr lang="en-FI"/>
           </a:p>
@@ -2353,7 +2353,7 @@
           <a:p>
             <a:fld id="{9F950D6D-D638-944C-997A-9DAC4E6CC4FC}" type="datetimeFigureOut">
               <a:rPr lang="en-FI" smtClean="0"/>
-              <a:t>3.2.2022</a:t>
+              <a:t>4.2.2022</a:t>
             </a:fld>
             <a:endParaRPr lang="en-FI"/>
           </a:p>
@@ -2566,7 +2566,7 @@
           <a:p>
             <a:fld id="{9F950D6D-D638-944C-997A-9DAC4E6CC4FC}" type="datetimeFigureOut">
               <a:rPr lang="en-FI" smtClean="0"/>
-              <a:t>3.2.2022</a:t>
+              <a:t>4.2.2022</a:t>
             </a:fld>
             <a:endParaRPr lang="en-FI"/>
           </a:p>
@@ -2973,10 +2973,10 @@
       </p:grpSpPr>
       <p:pic>
         <p:nvPicPr>
-          <p:cNvPr id="24" name="Picture 23">
+          <p:cNvPr id="4" name="Picture 3">
             <a:extLst>
               <a:ext uri="{FF2B5EF4-FFF2-40B4-BE49-F238E27FC236}">
-                <a16:creationId xmlns:a16="http://schemas.microsoft.com/office/drawing/2014/main" id="{A9AD6421-CB4D-F143-9CBC-0A470A441FF3}"/>
+                <a16:creationId xmlns:a16="http://schemas.microsoft.com/office/drawing/2014/main" id="{8F2C0D95-88FC-314B-A40C-325C47EFC44C}"/>
               </a:ext>
             </a:extLst>
           </p:cNvPr>
@@ -2987,13 +2987,13 @@
         </p:nvPicPr>
         <p:blipFill rotWithShape="1">
           <a:blip r:embed="rId2"/>
-          <a:srcRect r="1650"/>
+          <a:srcRect r="1450"/>
           <a:stretch/>
         </p:blipFill>
         <p:spPr>
           <a:xfrm>
-            <a:off x="265861" y="79877"/>
-            <a:ext cx="6578375" cy="5954780"/>
+            <a:off x="317348" y="0"/>
+            <a:ext cx="6442401" cy="6469799"/>
           </a:xfrm>
           <a:prstGeom prst="rect">
             <a:avLst/>
@@ -3043,7 +3043,7 @@
         </p:nvSpPr>
         <p:spPr>
           <a:xfrm>
-            <a:off x="-53915" y="2747474"/>
+            <a:off x="0" y="2986849"/>
             <a:ext cx="389850" cy="369332"/>
           </a:xfrm>
           <a:prstGeom prst="rect">
